--- a/media/Results.pptx
+++ b/media/Results.pptx
@@ -120,6 +120,11 @@
       </a:defRPr>
     </a:lvl9pPr>
   </p:defaultTextStyle>
+  <p:extLst>
+    <p:ext uri="{EFAFB233-063F-42B5-8137-9DF3F51BA10A}">
+      <p15:sldGuideLst xmlns:p15="http://schemas.microsoft.com/office/powerpoint/2012/main"/>
+    </p:ext>
+  </p:extLst>
 </p:presentation>
 </file>
 
@@ -270,7 +275,7 @@
           <a:p>
             <a:fld id="{358218FD-EE67-44F8-95FC-4B07E9C7C038}" type="datetimeFigureOut">
               <a:rPr lang="en-US" smtClean="0"/>
-              <a:t>11/30/2018</a:t>
+              <a:t>12/1/2018</a:t>
             </a:fld>
             <a:endParaRPr lang="en-US"/>
           </a:p>
@@ -341,13 +346,13 @@
     <a:masterClrMapping/>
   </p:clrMapOvr>
   <mc:AlternateContent xmlns:mc="http://schemas.openxmlformats.org/markup-compatibility/2006">
-    <mc:Choice xmlns:p15="http://schemas.microsoft.com/office/powerpoint/2012/main" Requires="p15">
-      <p:transition xmlns:p14="http://schemas.microsoft.com/office/powerpoint/2010/main" spd="slow" p14:dur="1250" advTm="3000">
-        <p15:prstTrans prst="pageCurlDouble"/>
+    <mc:Choice xmlns:p14="http://schemas.microsoft.com/office/powerpoint/2010/main" Requires="p14">
+      <p:transition spd="med" p14:dur="700" advTm="3000">
+        <p:fade/>
       </p:transition>
     </mc:Choice>
     <mc:Fallback>
-      <p:transition spd="slow" advTm="3000">
+      <p:transition spd="med" advTm="3000">
         <p:fade/>
       </p:transition>
     </mc:Fallback>
@@ -480,7 +485,7 @@
           <a:p>
             <a:fld id="{358218FD-EE67-44F8-95FC-4B07E9C7C038}" type="datetimeFigureOut">
               <a:rPr lang="en-US" smtClean="0"/>
-              <a:t>11/30/2018</a:t>
+              <a:t>12/1/2018</a:t>
             </a:fld>
             <a:endParaRPr lang="en-US"/>
           </a:p>
@@ -551,13 +556,13 @@
     <a:masterClrMapping/>
   </p:clrMapOvr>
   <mc:AlternateContent xmlns:mc="http://schemas.openxmlformats.org/markup-compatibility/2006">
-    <mc:Choice xmlns:p15="http://schemas.microsoft.com/office/powerpoint/2012/main" Requires="p15">
-      <p:transition xmlns:p14="http://schemas.microsoft.com/office/powerpoint/2010/main" spd="slow" p14:dur="1250" advTm="3000">
-        <p15:prstTrans prst="pageCurlDouble"/>
+    <mc:Choice xmlns:p14="http://schemas.microsoft.com/office/powerpoint/2010/main" Requires="p14">
+      <p:transition spd="med" p14:dur="700" advTm="3000">
+        <p:fade/>
       </p:transition>
     </mc:Choice>
     <mc:Fallback>
-      <p:transition spd="slow" advTm="3000">
+      <p:transition spd="med" advTm="3000">
         <p:fade/>
       </p:transition>
     </mc:Fallback>
@@ -700,7 +705,7 @@
           <a:p>
             <a:fld id="{358218FD-EE67-44F8-95FC-4B07E9C7C038}" type="datetimeFigureOut">
               <a:rPr lang="en-US" smtClean="0"/>
-              <a:t>11/30/2018</a:t>
+              <a:t>12/1/2018</a:t>
             </a:fld>
             <a:endParaRPr lang="en-US"/>
           </a:p>
@@ -771,13 +776,13 @@
     <a:masterClrMapping/>
   </p:clrMapOvr>
   <mc:AlternateContent xmlns:mc="http://schemas.openxmlformats.org/markup-compatibility/2006">
-    <mc:Choice xmlns:p15="http://schemas.microsoft.com/office/powerpoint/2012/main" Requires="p15">
-      <p:transition xmlns:p14="http://schemas.microsoft.com/office/powerpoint/2010/main" spd="slow" p14:dur="1250" advTm="3000">
-        <p15:prstTrans prst="pageCurlDouble"/>
+    <mc:Choice xmlns:p14="http://schemas.microsoft.com/office/powerpoint/2010/main" Requires="p14">
+      <p:transition spd="med" p14:dur="700" advTm="3000">
+        <p:fade/>
       </p:transition>
     </mc:Choice>
     <mc:Fallback>
-      <p:transition spd="slow" advTm="3000">
+      <p:transition spd="med" advTm="3000">
         <p:fade/>
       </p:transition>
     </mc:Fallback>
@@ -910,7 +915,7 @@
           <a:p>
             <a:fld id="{358218FD-EE67-44F8-95FC-4B07E9C7C038}" type="datetimeFigureOut">
               <a:rPr lang="en-US" smtClean="0"/>
-              <a:t>11/30/2018</a:t>
+              <a:t>12/1/2018</a:t>
             </a:fld>
             <a:endParaRPr lang="en-US"/>
           </a:p>
@@ -981,13 +986,13 @@
     <a:masterClrMapping/>
   </p:clrMapOvr>
   <mc:AlternateContent xmlns:mc="http://schemas.openxmlformats.org/markup-compatibility/2006">
-    <mc:Choice xmlns:p15="http://schemas.microsoft.com/office/powerpoint/2012/main" Requires="p15">
-      <p:transition xmlns:p14="http://schemas.microsoft.com/office/powerpoint/2010/main" spd="slow" p14:dur="1250" advTm="3000">
-        <p15:prstTrans prst="pageCurlDouble"/>
+    <mc:Choice xmlns:p14="http://schemas.microsoft.com/office/powerpoint/2010/main" Requires="p14">
+      <p:transition spd="med" p14:dur="700" advTm="3000">
+        <p:fade/>
       </p:transition>
     </mc:Choice>
     <mc:Fallback>
-      <p:transition spd="slow" advTm="3000">
+      <p:transition spd="med" advTm="3000">
         <p:fade/>
       </p:transition>
     </mc:Fallback>
@@ -1197,7 +1202,7 @@
           <a:p>
             <a:fld id="{358218FD-EE67-44F8-95FC-4B07E9C7C038}" type="datetimeFigureOut">
               <a:rPr lang="en-US" smtClean="0"/>
-              <a:t>11/30/2018</a:t>
+              <a:t>12/1/2018</a:t>
             </a:fld>
             <a:endParaRPr lang="en-US"/>
           </a:p>
@@ -1268,13 +1273,13 @@
     <a:masterClrMapping/>
   </p:clrMapOvr>
   <mc:AlternateContent xmlns:mc="http://schemas.openxmlformats.org/markup-compatibility/2006">
-    <mc:Choice xmlns:p15="http://schemas.microsoft.com/office/powerpoint/2012/main" Requires="p15">
-      <p:transition xmlns:p14="http://schemas.microsoft.com/office/powerpoint/2010/main" spd="slow" p14:dur="1250" advTm="3000">
-        <p15:prstTrans prst="pageCurlDouble"/>
+    <mc:Choice xmlns:p14="http://schemas.microsoft.com/office/powerpoint/2010/main" Requires="p14">
+      <p:transition spd="med" p14:dur="700" advTm="3000">
+        <p:fade/>
       </p:transition>
     </mc:Choice>
     <mc:Fallback>
-      <p:transition spd="slow" advTm="3000">
+      <p:transition spd="med" advTm="3000">
         <p:fade/>
       </p:transition>
     </mc:Fallback>
@@ -1474,7 +1479,7 @@
           <a:p>
             <a:fld id="{358218FD-EE67-44F8-95FC-4B07E9C7C038}" type="datetimeFigureOut">
               <a:rPr lang="en-US" smtClean="0"/>
-              <a:t>11/30/2018</a:t>
+              <a:t>12/1/2018</a:t>
             </a:fld>
             <a:endParaRPr lang="en-US"/>
           </a:p>
@@ -1545,13 +1550,13 @@
     <a:masterClrMapping/>
   </p:clrMapOvr>
   <mc:AlternateContent xmlns:mc="http://schemas.openxmlformats.org/markup-compatibility/2006">
-    <mc:Choice xmlns:p15="http://schemas.microsoft.com/office/powerpoint/2012/main" Requires="p15">
-      <p:transition xmlns:p14="http://schemas.microsoft.com/office/powerpoint/2010/main" spd="slow" p14:dur="1250" advTm="3000">
-        <p15:prstTrans prst="pageCurlDouble"/>
+    <mc:Choice xmlns:p14="http://schemas.microsoft.com/office/powerpoint/2010/main" Requires="p14">
+      <p:transition spd="med" p14:dur="700" advTm="3000">
+        <p:fade/>
       </p:transition>
     </mc:Choice>
     <mc:Fallback>
-      <p:transition spd="slow" advTm="3000">
+      <p:transition spd="med" advTm="3000">
         <p:fade/>
       </p:transition>
     </mc:Fallback>
@@ -1898,7 +1903,7 @@
           <a:p>
             <a:fld id="{358218FD-EE67-44F8-95FC-4B07E9C7C038}" type="datetimeFigureOut">
               <a:rPr lang="en-US" smtClean="0"/>
-              <a:t>11/30/2018</a:t>
+              <a:t>12/1/2018</a:t>
             </a:fld>
             <a:endParaRPr lang="en-US"/>
           </a:p>
@@ -1969,13 +1974,13 @@
     <a:masterClrMapping/>
   </p:clrMapOvr>
   <mc:AlternateContent xmlns:mc="http://schemas.openxmlformats.org/markup-compatibility/2006">
-    <mc:Choice xmlns:p15="http://schemas.microsoft.com/office/powerpoint/2012/main" Requires="p15">
-      <p:transition xmlns:p14="http://schemas.microsoft.com/office/powerpoint/2010/main" spd="slow" p14:dur="1250" advTm="3000">
-        <p15:prstTrans prst="pageCurlDouble"/>
+    <mc:Choice xmlns:p14="http://schemas.microsoft.com/office/powerpoint/2010/main" Requires="p14">
+      <p:transition spd="med" p14:dur="700" advTm="3000">
+        <p:fade/>
       </p:transition>
     </mc:Choice>
     <mc:Fallback>
-      <p:transition spd="slow" advTm="3000">
+      <p:transition spd="med" advTm="3000">
         <p:fade/>
       </p:transition>
     </mc:Fallback>
@@ -2051,7 +2056,7 @@
           <a:p>
             <a:fld id="{358218FD-EE67-44F8-95FC-4B07E9C7C038}" type="datetimeFigureOut">
               <a:rPr lang="en-US" smtClean="0"/>
-              <a:t>11/30/2018</a:t>
+              <a:t>12/1/2018</a:t>
             </a:fld>
             <a:endParaRPr lang="en-US"/>
           </a:p>
@@ -2122,13 +2127,13 @@
     <a:masterClrMapping/>
   </p:clrMapOvr>
   <mc:AlternateContent xmlns:mc="http://schemas.openxmlformats.org/markup-compatibility/2006">
-    <mc:Choice xmlns:p15="http://schemas.microsoft.com/office/powerpoint/2012/main" Requires="p15">
-      <p:transition xmlns:p14="http://schemas.microsoft.com/office/powerpoint/2010/main" spd="slow" p14:dur="1250" advTm="3000">
-        <p15:prstTrans prst="pageCurlDouble"/>
+    <mc:Choice xmlns:p14="http://schemas.microsoft.com/office/powerpoint/2010/main" Requires="p14">
+      <p:transition spd="med" p14:dur="700" advTm="3000">
+        <p:fade/>
       </p:transition>
     </mc:Choice>
     <mc:Fallback>
-      <p:transition spd="slow" advTm="3000">
+      <p:transition spd="med" advTm="3000">
         <p:fade/>
       </p:transition>
     </mc:Fallback>
@@ -2176,7 +2181,7 @@
           <a:p>
             <a:fld id="{358218FD-EE67-44F8-95FC-4B07E9C7C038}" type="datetimeFigureOut">
               <a:rPr lang="en-US" smtClean="0"/>
-              <a:t>11/30/2018</a:t>
+              <a:t>12/1/2018</a:t>
             </a:fld>
             <a:endParaRPr lang="en-US"/>
           </a:p>
@@ -2247,13 +2252,13 @@
     <a:masterClrMapping/>
   </p:clrMapOvr>
   <mc:AlternateContent xmlns:mc="http://schemas.openxmlformats.org/markup-compatibility/2006">
-    <mc:Choice xmlns:p15="http://schemas.microsoft.com/office/powerpoint/2012/main" Requires="p15">
-      <p:transition xmlns:p14="http://schemas.microsoft.com/office/powerpoint/2010/main" spd="slow" p14:dur="1250" advTm="3000">
-        <p15:prstTrans prst="pageCurlDouble"/>
+    <mc:Choice xmlns:p14="http://schemas.microsoft.com/office/powerpoint/2010/main" Requires="p14">
+      <p:transition spd="med" p14:dur="700" advTm="3000">
+        <p:fade/>
       </p:transition>
     </mc:Choice>
     <mc:Fallback>
-      <p:transition spd="slow" advTm="3000">
+      <p:transition spd="med" advTm="3000">
         <p:fade/>
       </p:transition>
     </mc:Fallback>
@@ -2499,7 +2504,7 @@
           <a:p>
             <a:fld id="{358218FD-EE67-44F8-95FC-4B07E9C7C038}" type="datetimeFigureOut">
               <a:rPr lang="en-US" smtClean="0"/>
-              <a:t>11/30/2018</a:t>
+              <a:t>12/1/2018</a:t>
             </a:fld>
             <a:endParaRPr lang="en-US"/>
           </a:p>
@@ -2570,13 +2575,13 @@
     <a:masterClrMapping/>
   </p:clrMapOvr>
   <mc:AlternateContent xmlns:mc="http://schemas.openxmlformats.org/markup-compatibility/2006">
-    <mc:Choice xmlns:p15="http://schemas.microsoft.com/office/powerpoint/2012/main" Requires="p15">
-      <p:transition xmlns:p14="http://schemas.microsoft.com/office/powerpoint/2010/main" spd="slow" p14:dur="1250" advTm="3000">
-        <p15:prstTrans prst="pageCurlDouble"/>
+    <mc:Choice xmlns:p14="http://schemas.microsoft.com/office/powerpoint/2010/main" Requires="p14">
+      <p:transition spd="med" p14:dur="700" advTm="3000">
+        <p:fade/>
       </p:transition>
     </mc:Choice>
     <mc:Fallback>
-      <p:transition spd="slow" advTm="3000">
+      <p:transition spd="med" advTm="3000">
         <p:fade/>
       </p:transition>
     </mc:Fallback>
@@ -2799,7 +2804,7 @@
           <a:p>
             <a:fld id="{358218FD-EE67-44F8-95FC-4B07E9C7C038}" type="datetimeFigureOut">
               <a:rPr lang="en-US" smtClean="0"/>
-              <a:t>11/30/2018</a:t>
+              <a:t>12/1/2018</a:t>
             </a:fld>
             <a:endParaRPr lang="en-US"/>
           </a:p>
@@ -2870,13 +2875,13 @@
     <a:masterClrMapping/>
   </p:clrMapOvr>
   <mc:AlternateContent xmlns:mc="http://schemas.openxmlformats.org/markup-compatibility/2006">
-    <mc:Choice xmlns:p15="http://schemas.microsoft.com/office/powerpoint/2012/main" Requires="p15">
-      <p:transition xmlns:p14="http://schemas.microsoft.com/office/powerpoint/2010/main" spd="slow" p14:dur="1250" advTm="3000">
-        <p15:prstTrans prst="pageCurlDouble"/>
+    <mc:Choice xmlns:p14="http://schemas.microsoft.com/office/powerpoint/2010/main" Requires="p14">
+      <p:transition spd="med" p14:dur="700" advTm="3000">
+        <p:fade/>
       </p:transition>
     </mc:Choice>
     <mc:Fallback>
-      <p:transition spd="slow" advTm="3000">
+      <p:transition spd="med" advTm="3000">
         <p:fade/>
       </p:transition>
     </mc:Fallback>
@@ -3052,7 +3057,7 @@
           <a:p>
             <a:fld id="{358218FD-EE67-44F8-95FC-4B07E9C7C038}" type="datetimeFigureOut">
               <a:rPr lang="en-US" smtClean="0"/>
-              <a:t>11/30/2018</a:t>
+              <a:t>12/1/2018</a:t>
             </a:fld>
             <a:endParaRPr lang="en-US"/>
           </a:p>
@@ -3170,13 +3175,13 @@
     <p:sldLayoutId id="2147483659" r:id="rId11"/>
   </p:sldLayoutIdLst>
   <mc:AlternateContent xmlns:mc="http://schemas.openxmlformats.org/markup-compatibility/2006">
-    <mc:Choice xmlns:p15="http://schemas.microsoft.com/office/powerpoint/2012/main" Requires="p15">
-      <p:transition xmlns:p14="http://schemas.microsoft.com/office/powerpoint/2010/main" spd="slow" p14:dur="1250" advTm="3000">
-        <p15:prstTrans prst="pageCurlDouble"/>
+    <mc:Choice xmlns:p14="http://schemas.microsoft.com/office/powerpoint/2010/main" Requires="p14">
+      <p:transition spd="med" p14:dur="700" advTm="3000">
+        <p:fade/>
       </p:transition>
     </mc:Choice>
     <mc:Fallback>
-      <p:transition spd="slow" advTm="3000">
+      <p:transition spd="med" advTm="3000">
         <p:fade/>
       </p:transition>
     </mc:Fallback>
@@ -3569,13 +3574,13 @@
     <a:masterClrMapping/>
   </p:clrMapOvr>
   <mc:AlternateContent xmlns:mc="http://schemas.openxmlformats.org/markup-compatibility/2006">
-    <mc:Choice xmlns:p15="http://schemas.microsoft.com/office/powerpoint/2012/main" Requires="p15">
-      <p:transition xmlns:p14="http://schemas.microsoft.com/office/powerpoint/2010/main" spd="slow" p14:dur="1250" advTm="3000">
-        <p15:prstTrans prst="pageCurlDouble"/>
+    <mc:Choice xmlns:p14="http://schemas.microsoft.com/office/powerpoint/2010/main" Requires="p14">
+      <p:transition spd="med" p14:dur="700" advTm="3000">
+        <p:fade/>
       </p:transition>
     </mc:Choice>
     <mc:Fallback>
-      <p:transition spd="slow" advTm="3000">
+      <p:transition spd="med" advTm="3000">
         <p:fade/>
       </p:transition>
     </mc:Fallback>
@@ -3688,13 +3693,13 @@
     <a:masterClrMapping/>
   </p:clrMapOvr>
   <mc:AlternateContent xmlns:mc="http://schemas.openxmlformats.org/markup-compatibility/2006">
-    <mc:Choice xmlns:p15="http://schemas.microsoft.com/office/powerpoint/2012/main" Requires="p15">
-      <p:transition xmlns:p14="http://schemas.microsoft.com/office/powerpoint/2010/main" spd="slow" p14:dur="1250" advTm="3000">
-        <p15:prstTrans prst="pageCurlDouble"/>
+    <mc:Choice xmlns:p14="http://schemas.microsoft.com/office/powerpoint/2010/main" Requires="p14">
+      <p:transition spd="med" p14:dur="700" advTm="3000">
+        <p:fade/>
       </p:transition>
     </mc:Choice>
     <mc:Fallback>
-      <p:transition spd="slow" advTm="3000">
+      <p:transition spd="med" advTm="3000">
         <p:fade/>
       </p:transition>
     </mc:Fallback>
@@ -3807,13 +3812,13 @@
     <a:masterClrMapping/>
   </p:clrMapOvr>
   <mc:AlternateContent xmlns:mc="http://schemas.openxmlformats.org/markup-compatibility/2006">
-    <mc:Choice xmlns:p15="http://schemas.microsoft.com/office/powerpoint/2012/main" Requires="p15">
-      <p:transition xmlns:p14="http://schemas.microsoft.com/office/powerpoint/2010/main" spd="slow" p14:dur="1250" advTm="3000">
-        <p15:prstTrans prst="pageCurlDouble"/>
+    <mc:Choice xmlns:p14="http://schemas.microsoft.com/office/powerpoint/2010/main" Requires="p14">
+      <p:transition spd="med" p14:dur="700" advTm="3000">
+        <p:fade/>
       </p:transition>
     </mc:Choice>
     <mc:Fallback>
-      <p:transition spd="slow" advTm="3000">
+      <p:transition spd="med" advTm="3000">
         <p:fade/>
       </p:transition>
     </mc:Fallback>
@@ -3926,13 +3931,13 @@
     <a:masterClrMapping/>
   </p:clrMapOvr>
   <mc:AlternateContent xmlns:mc="http://schemas.openxmlformats.org/markup-compatibility/2006">
-    <mc:Choice xmlns:p15="http://schemas.microsoft.com/office/powerpoint/2012/main" Requires="p15">
-      <p:transition xmlns:p14="http://schemas.microsoft.com/office/powerpoint/2010/main" spd="slow" p14:dur="1250" advTm="3000">
-        <p15:prstTrans prst="pageCurlDouble"/>
+    <mc:Choice xmlns:p14="http://schemas.microsoft.com/office/powerpoint/2010/main" Requires="p14">
+      <p:transition spd="med" p14:dur="700" advTm="3000">
+        <p:fade/>
       </p:transition>
     </mc:Choice>
     <mc:Fallback>
-      <p:transition spd="slow" advTm="3000">
+      <p:transition spd="med" advTm="3000">
         <p:fade/>
       </p:transition>
     </mc:Fallback>
@@ -4045,13 +4050,13 @@
     <a:masterClrMapping/>
   </p:clrMapOvr>
   <mc:AlternateContent xmlns:mc="http://schemas.openxmlformats.org/markup-compatibility/2006">
-    <mc:Choice xmlns:p15="http://schemas.microsoft.com/office/powerpoint/2012/main" Requires="p15">
-      <p:transition xmlns:p14="http://schemas.microsoft.com/office/powerpoint/2010/main" spd="slow" p14:dur="1250" advTm="3000">
-        <p15:prstTrans prst="pageCurlDouble"/>
+    <mc:Choice xmlns:p14="http://schemas.microsoft.com/office/powerpoint/2010/main" Requires="p14">
+      <p:transition spd="med" p14:dur="700" advTm="3000">
+        <p:fade/>
       </p:transition>
     </mc:Choice>
     <mc:Fallback>
-      <p:transition spd="slow" advTm="3000">
+      <p:transition spd="med" advTm="3000">
         <p:fade/>
       </p:transition>
     </mc:Fallback>
@@ -4164,13 +4169,13 @@
     <a:masterClrMapping/>
   </p:clrMapOvr>
   <mc:AlternateContent xmlns:mc="http://schemas.openxmlformats.org/markup-compatibility/2006">
-    <mc:Choice xmlns:p15="http://schemas.microsoft.com/office/powerpoint/2012/main" Requires="p15">
-      <p:transition xmlns:p14="http://schemas.microsoft.com/office/powerpoint/2010/main" spd="slow" p14:dur="1250" advTm="3000">
-        <p15:prstTrans prst="pageCurlDouble"/>
+    <mc:Choice xmlns:p14="http://schemas.microsoft.com/office/powerpoint/2010/main" Requires="p14">
+      <p:transition spd="med" p14:dur="700" advTm="3000">
+        <p:fade/>
       </p:transition>
     </mc:Choice>
     <mc:Fallback>
-      <p:transition spd="slow" advTm="3000">
+      <p:transition spd="med" advTm="3000">
         <p:fade/>
       </p:transition>
     </mc:Fallback>
@@ -4283,13 +4288,13 @@
     <a:masterClrMapping/>
   </p:clrMapOvr>
   <mc:AlternateContent xmlns:mc="http://schemas.openxmlformats.org/markup-compatibility/2006">
-    <mc:Choice xmlns:p15="http://schemas.microsoft.com/office/powerpoint/2012/main" Requires="p15">
-      <p:transition xmlns:p14="http://schemas.microsoft.com/office/powerpoint/2010/main" spd="slow" p14:dur="1250" advTm="3000">
-        <p15:prstTrans prst="pageCurlDouble"/>
+    <mc:Choice xmlns:p14="http://schemas.microsoft.com/office/powerpoint/2010/main" Requires="p14">
+      <p:transition spd="med" p14:dur="700" advTm="3000">
+        <p:fade/>
       </p:transition>
     </mc:Choice>
     <mc:Fallback>
-      <p:transition spd="slow" advTm="3000">
+      <p:transition spd="med" advTm="3000">
         <p:fade/>
       </p:transition>
     </mc:Fallback>
@@ -4402,13 +4407,13 @@
     <a:masterClrMapping/>
   </p:clrMapOvr>
   <mc:AlternateContent xmlns:mc="http://schemas.openxmlformats.org/markup-compatibility/2006">
-    <mc:Choice xmlns:p15="http://schemas.microsoft.com/office/powerpoint/2012/main" Requires="p15">
-      <p:transition xmlns:p14="http://schemas.microsoft.com/office/powerpoint/2010/main" spd="slow" p14:dur="1250" advTm="3000">
-        <p15:prstTrans prst="pageCurlDouble"/>
+    <mc:Choice xmlns:p14="http://schemas.microsoft.com/office/powerpoint/2010/main" Requires="p14">
+      <p:transition spd="med" p14:dur="700" advTm="3000">
+        <p:fade/>
       </p:transition>
     </mc:Choice>
     <mc:Fallback>
-      <p:transition spd="slow" advTm="3000">
+      <p:transition spd="med" advTm="3000">
         <p:fade/>
       </p:transition>
     </mc:Fallback>
@@ -4521,13 +4526,13 @@
     <a:masterClrMapping/>
   </p:clrMapOvr>
   <mc:AlternateContent xmlns:mc="http://schemas.openxmlformats.org/markup-compatibility/2006">
-    <mc:Choice xmlns:p15="http://schemas.microsoft.com/office/powerpoint/2012/main" Requires="p15">
-      <p:transition xmlns:p14="http://schemas.microsoft.com/office/powerpoint/2010/main" spd="slow" p14:dur="1250" advTm="3000">
-        <p15:prstTrans prst="pageCurlDouble"/>
+    <mc:Choice xmlns:p14="http://schemas.microsoft.com/office/powerpoint/2010/main" Requires="p14">
+      <p:transition spd="med" p14:dur="700" advTm="3000">
+        <p:fade/>
       </p:transition>
     </mc:Choice>
     <mc:Fallback>
-      <p:transition spd="slow" advTm="3000">
+      <p:transition spd="med" advTm="3000">
         <p:fade/>
       </p:transition>
     </mc:Fallback>
@@ -4640,13 +4645,13 @@
     <a:masterClrMapping/>
   </p:clrMapOvr>
   <mc:AlternateContent xmlns:mc="http://schemas.openxmlformats.org/markup-compatibility/2006">
-    <mc:Choice xmlns:p15="http://schemas.microsoft.com/office/powerpoint/2012/main" Requires="p15">
-      <p:transition xmlns:p14="http://schemas.microsoft.com/office/powerpoint/2010/main" spd="slow" p14:dur="1250" advTm="3000">
-        <p15:prstTrans prst="pageCurlDouble"/>
+    <mc:Choice xmlns:p14="http://schemas.microsoft.com/office/powerpoint/2010/main" Requires="p14">
+      <p:transition spd="med" p14:dur="700" advTm="3000">
+        <p:fade/>
       </p:transition>
     </mc:Choice>
     <mc:Fallback>
-      <p:transition spd="slow" advTm="3000">
+      <p:transition spd="med" advTm="3000">
         <p:fade/>
       </p:transition>
     </mc:Fallback>
@@ -4759,13 +4764,13 @@
     <a:masterClrMapping/>
   </p:clrMapOvr>
   <mc:AlternateContent xmlns:mc="http://schemas.openxmlformats.org/markup-compatibility/2006">
-    <mc:Choice xmlns:p15="http://schemas.microsoft.com/office/powerpoint/2012/main" Requires="p15">
-      <p:transition xmlns:p14="http://schemas.microsoft.com/office/powerpoint/2010/main" spd="slow" p14:dur="1250" advTm="3000">
-        <p15:prstTrans prst="pageCurlDouble"/>
+    <mc:Choice xmlns:p14="http://schemas.microsoft.com/office/powerpoint/2010/main" Requires="p14">
+      <p:transition spd="med" p14:dur="700" advTm="3000">
+        <p:fade/>
       </p:transition>
     </mc:Choice>
     <mc:Fallback>
-      <p:transition spd="slow" advTm="3000">
+      <p:transition spd="med" advTm="3000">
         <p:fade/>
       </p:transition>
     </mc:Fallback>
@@ -4878,13 +4883,13 @@
     <a:masterClrMapping/>
   </p:clrMapOvr>
   <mc:AlternateContent xmlns:mc="http://schemas.openxmlformats.org/markup-compatibility/2006">
-    <mc:Choice xmlns:p15="http://schemas.microsoft.com/office/powerpoint/2012/main" Requires="p15">
-      <p:transition xmlns:p14="http://schemas.microsoft.com/office/powerpoint/2010/main" spd="slow" p14:dur="1250" advTm="3000">
-        <p15:prstTrans prst="pageCurlDouble"/>
+    <mc:Choice xmlns:p14="http://schemas.microsoft.com/office/powerpoint/2010/main" Requires="p14">
+      <p:transition spd="med" p14:dur="700" advTm="3000">
+        <p:fade/>
       </p:transition>
     </mc:Choice>
     <mc:Fallback>
-      <p:transition spd="slow" advTm="3000">
+      <p:transition spd="med" advTm="3000">
         <p:fade/>
       </p:transition>
     </mc:Fallback>
@@ -4997,13 +5002,13 @@
     <a:masterClrMapping/>
   </p:clrMapOvr>
   <mc:AlternateContent xmlns:mc="http://schemas.openxmlformats.org/markup-compatibility/2006">
-    <mc:Choice xmlns:p15="http://schemas.microsoft.com/office/powerpoint/2012/main" Requires="p15">
-      <p:transition xmlns:p14="http://schemas.microsoft.com/office/powerpoint/2010/main" spd="slow" p14:dur="1250" advTm="3000">
-        <p15:prstTrans prst="pageCurlDouble"/>
+    <mc:Choice xmlns:p14="http://schemas.microsoft.com/office/powerpoint/2010/main" Requires="p14">
+      <p:transition spd="med" p14:dur="700" advTm="3000">
+        <p:fade/>
       </p:transition>
     </mc:Choice>
     <mc:Fallback>
-      <p:transition spd="slow" advTm="3000">
+      <p:transition spd="med" advTm="3000">
         <p:fade/>
       </p:transition>
     </mc:Fallback>
@@ -5116,13 +5121,13 @@
     <a:masterClrMapping/>
   </p:clrMapOvr>
   <mc:AlternateContent xmlns:mc="http://schemas.openxmlformats.org/markup-compatibility/2006">
-    <mc:Choice xmlns:p15="http://schemas.microsoft.com/office/powerpoint/2012/main" Requires="p15">
-      <p:transition xmlns:p14="http://schemas.microsoft.com/office/powerpoint/2010/main" spd="slow" p14:dur="1250" advTm="3000">
-        <p15:prstTrans prst="pageCurlDouble"/>
+    <mc:Choice xmlns:p14="http://schemas.microsoft.com/office/powerpoint/2010/main" Requires="p14">
+      <p:transition spd="med" p14:dur="700" advTm="3000">
+        <p:fade/>
       </p:transition>
     </mc:Choice>
     <mc:Fallback>
-      <p:transition spd="slow" advTm="3000">
+      <p:transition spd="med" advTm="3000">
         <p:fade/>
       </p:transition>
     </mc:Fallback>
@@ -5235,13 +5240,13 @@
     <a:masterClrMapping/>
   </p:clrMapOvr>
   <mc:AlternateContent xmlns:mc="http://schemas.openxmlformats.org/markup-compatibility/2006">
-    <mc:Choice xmlns:p15="http://schemas.microsoft.com/office/powerpoint/2012/main" Requires="p15">
-      <p:transition xmlns:p14="http://schemas.microsoft.com/office/powerpoint/2010/main" spd="slow" p14:dur="1250" advTm="3000">
-        <p15:prstTrans prst="pageCurlDouble"/>
+    <mc:Choice xmlns:p14="http://schemas.microsoft.com/office/powerpoint/2010/main" Requires="p14">
+      <p:transition spd="med" p14:dur="700" advTm="3000">
+        <p:fade/>
       </p:transition>
     </mc:Choice>
     <mc:Fallback>
-      <p:transition spd="slow" advTm="3000">
+      <p:transition spd="med" advTm="3000">
         <p:fade/>
       </p:transition>
     </mc:Fallback>
@@ -5354,13 +5359,13 @@
     <a:masterClrMapping/>
   </p:clrMapOvr>
   <mc:AlternateContent xmlns:mc="http://schemas.openxmlformats.org/markup-compatibility/2006">
-    <mc:Choice xmlns:p15="http://schemas.microsoft.com/office/powerpoint/2012/main" Requires="p15">
-      <p:transition xmlns:p14="http://schemas.microsoft.com/office/powerpoint/2010/main" spd="slow" p14:dur="1250" advTm="3000">
-        <p15:prstTrans prst="pageCurlDouble"/>
+    <mc:Choice xmlns:p14="http://schemas.microsoft.com/office/powerpoint/2010/main" Requires="p14">
+      <p:transition spd="med" p14:dur="700" advTm="3000">
+        <p:fade/>
       </p:transition>
     </mc:Choice>
     <mc:Fallback>
-      <p:transition spd="slow" advTm="3000">
+      <p:transition spd="med" advTm="3000">
         <p:fade/>
       </p:transition>
     </mc:Fallback>
